--- a/Gate Pass Digitalization.pptx
+++ b/Gate Pass Digitalization.pptx
@@ -116,6 +116,11 @@
       </a:defRPr>
     </a:lvl9pPr>
   </p:defaultTextStyle>
+  <p:extLst>
+    <p:ext uri="{EFAFB233-063F-42B5-8137-9DF3F51BA10A}">
+      <p15:sldGuideLst xmlns:p15="http://schemas.microsoft.com/office/powerpoint/2012/main"/>
+    </p:ext>
+  </p:extLst>
 </p:presentation>
 </file>
 
@@ -4934,7 +4939,7 @@
           <a:p>
             <a:r>
               <a:rPr lang="en-US" sz="5400" dirty="0"/>
-              <a:t>ZAMP</a:t>
+              <a:t>XAMPP</a:t>
             </a:r>
           </a:p>
         </p:txBody>
